--- a/presentation.pptx
+++ b/presentation.pptx
@@ -7,12 +7,15 @@
   <p:sldIdLst>
     <p:sldId id="256" r:id="rId2"/>
     <p:sldId id="257" r:id="rId3"/>
-    <p:sldId id="258" r:id="rId4"/>
-    <p:sldId id="259" r:id="rId5"/>
-    <p:sldId id="260" r:id="rId6"/>
-    <p:sldId id="261" r:id="rId7"/>
-    <p:sldId id="262" r:id="rId8"/>
+    <p:sldId id="266" r:id="rId4"/>
+    <p:sldId id="258" r:id="rId5"/>
+    <p:sldId id="259" r:id="rId6"/>
+    <p:sldId id="260" r:id="rId7"/>
+    <p:sldId id="264" r:id="rId8"/>
     <p:sldId id="263" r:id="rId9"/>
+    <p:sldId id="261" r:id="rId10"/>
+    <p:sldId id="262" r:id="rId11"/>
+    <p:sldId id="265" r:id="rId12"/>
   </p:sldIdLst>
   <p:sldSz cx="12192000" cy="6858000"/>
   <p:notesSz cx="6858000" cy="9144000"/>
@@ -266,7 +269,7 @@
           <a:p>
             <a:fld id="{C0554CB0-3FF3-4642-94C8-DC673817E29D}" type="datetimeFigureOut">
               <a:rPr lang="ru-RU" smtClean="0"/>
-              <a:t>01.11.2021</a:t>
+              <a:t>04.11.2021</a:t>
             </a:fld>
             <a:endParaRPr lang="ru-RU"/>
           </a:p>
@@ -464,7 +467,7 @@
           <a:p>
             <a:fld id="{C0554CB0-3FF3-4642-94C8-DC673817E29D}" type="datetimeFigureOut">
               <a:rPr lang="ru-RU" smtClean="0"/>
-              <a:t>01.11.2021</a:t>
+              <a:t>04.11.2021</a:t>
             </a:fld>
             <a:endParaRPr lang="ru-RU"/>
           </a:p>
@@ -672,7 +675,7 @@
           <a:p>
             <a:fld id="{C0554CB0-3FF3-4642-94C8-DC673817E29D}" type="datetimeFigureOut">
               <a:rPr lang="ru-RU" smtClean="0"/>
-              <a:t>01.11.2021</a:t>
+              <a:t>04.11.2021</a:t>
             </a:fld>
             <a:endParaRPr lang="ru-RU"/>
           </a:p>
@@ -870,7 +873,7 @@
           <a:p>
             <a:fld id="{C0554CB0-3FF3-4642-94C8-DC673817E29D}" type="datetimeFigureOut">
               <a:rPr lang="ru-RU" smtClean="0"/>
-              <a:t>01.11.2021</a:t>
+              <a:t>04.11.2021</a:t>
             </a:fld>
             <a:endParaRPr lang="ru-RU"/>
           </a:p>
@@ -1145,7 +1148,7 @@
           <a:p>
             <a:fld id="{C0554CB0-3FF3-4642-94C8-DC673817E29D}" type="datetimeFigureOut">
               <a:rPr lang="ru-RU" smtClean="0"/>
-              <a:t>01.11.2021</a:t>
+              <a:t>04.11.2021</a:t>
             </a:fld>
             <a:endParaRPr lang="ru-RU"/>
           </a:p>
@@ -1410,7 +1413,7 @@
           <a:p>
             <a:fld id="{C0554CB0-3FF3-4642-94C8-DC673817E29D}" type="datetimeFigureOut">
               <a:rPr lang="ru-RU" smtClean="0"/>
-              <a:t>01.11.2021</a:t>
+              <a:t>04.11.2021</a:t>
             </a:fld>
             <a:endParaRPr lang="ru-RU"/>
           </a:p>
@@ -1822,7 +1825,7 @@
           <a:p>
             <a:fld id="{C0554CB0-3FF3-4642-94C8-DC673817E29D}" type="datetimeFigureOut">
               <a:rPr lang="ru-RU" smtClean="0"/>
-              <a:t>01.11.2021</a:t>
+              <a:t>04.11.2021</a:t>
             </a:fld>
             <a:endParaRPr lang="ru-RU"/>
           </a:p>
@@ -1963,7 +1966,7 @@
           <a:p>
             <a:fld id="{C0554CB0-3FF3-4642-94C8-DC673817E29D}" type="datetimeFigureOut">
               <a:rPr lang="ru-RU" smtClean="0"/>
-              <a:t>01.11.2021</a:t>
+              <a:t>04.11.2021</a:t>
             </a:fld>
             <a:endParaRPr lang="ru-RU"/>
           </a:p>
@@ -2076,7 +2079,7 @@
           <a:p>
             <a:fld id="{C0554CB0-3FF3-4642-94C8-DC673817E29D}" type="datetimeFigureOut">
               <a:rPr lang="ru-RU" smtClean="0"/>
-              <a:t>01.11.2021</a:t>
+              <a:t>04.11.2021</a:t>
             </a:fld>
             <a:endParaRPr lang="ru-RU"/>
           </a:p>
@@ -2387,7 +2390,7 @@
           <a:p>
             <a:fld id="{C0554CB0-3FF3-4642-94C8-DC673817E29D}" type="datetimeFigureOut">
               <a:rPr lang="ru-RU" smtClean="0"/>
-              <a:t>01.11.2021</a:t>
+              <a:t>04.11.2021</a:t>
             </a:fld>
             <a:endParaRPr lang="ru-RU"/>
           </a:p>
@@ -2675,7 +2678,7 @@
           <a:p>
             <a:fld id="{C0554CB0-3FF3-4642-94C8-DC673817E29D}" type="datetimeFigureOut">
               <a:rPr lang="ru-RU" smtClean="0"/>
-              <a:t>01.11.2021</a:t>
+              <a:t>04.11.2021</a:t>
             </a:fld>
             <a:endParaRPr lang="ru-RU"/>
           </a:p>
@@ -2916,7 +2919,7 @@
           <a:p>
             <a:fld id="{C0554CB0-3FF3-4642-94C8-DC673817E29D}" type="datetimeFigureOut">
               <a:rPr lang="ru-RU" smtClean="0"/>
-              <a:t>01.11.2021</a:t>
+              <a:t>04.11.2021</a:t>
             </a:fld>
             <a:endParaRPr lang="ru-RU"/>
           </a:p>
@@ -3335,30 +3338,39 @@
       </p:grpSpPr>
       <p:sp>
         <p:nvSpPr>
-          <p:cNvPr id="2" name="Заголовок 1">
-            <a:extLst>
-              <a:ext uri="{FF2B5EF4-FFF2-40B4-BE49-F238E27FC236}">
-                <a16:creationId xmlns:a16="http://schemas.microsoft.com/office/drawing/2014/main" id="{59240C7E-4CEC-6241-A88B-7762F010476C}"/>
-              </a:ext>
-            </a:extLst>
-          </p:cNvPr>
-          <p:cNvSpPr>
-            <a:spLocks noGrp="1"/>
-          </p:cNvSpPr>
-          <p:nvPr>
-            <p:ph type="ctrTitle"/>
-          </p:nvPr>
-        </p:nvSpPr>
-        <p:spPr/>
-        <p:txBody>
-          <a:bodyPr/>
-          <a:lstStyle/>
-          <a:p>
-            <a:r>
-              <a:rPr lang="en-US" b="1" dirty="0" smtClean="0"/>
-              <a:t>D-Compare</a:t>
-            </a:r>
-            <a:endParaRPr lang="ru-RU" b="1" dirty="0"/>
+          <p:cNvPr id="4" name="Прямоугольник 3"/>
+          <p:cNvSpPr/>
+          <p:nvPr/>
+        </p:nvSpPr>
+        <p:spPr>
+          <a:xfrm>
+            <a:off x="3793236" y="2736502"/>
+            <a:ext cx="4680203" cy="1015663"/>
+          </a:xfrm>
+          <a:prstGeom prst="rect">
+            <a:avLst/>
+          </a:prstGeom>
+        </p:spPr>
+        <p:txBody>
+          <a:bodyPr wrap="square">
+            <a:spAutoFit/>
+          </a:bodyPr>
+          <a:lstStyle/>
+          <a:p>
+            <a:pPr algn="ctr"/>
+            <a:r>
+              <a:rPr lang="en-US" sz="6000" b="1" dirty="0" smtClean="0">
+                <a:solidFill>
+                  <a:srgbClr val="FE8C1A"/>
+                </a:solidFill>
+              </a:rPr>
+              <a:t>D-COMPARE</a:t>
+            </a:r>
+            <a:endParaRPr lang="ru-RU" dirty="0">
+              <a:solidFill>
+                <a:srgbClr val="FE8C1A"/>
+              </a:solidFill>
+            </a:endParaRPr>
           </a:p>
         </p:txBody>
       </p:sp>
@@ -3366,6 +3378,273 @@
     <p:extLst>
       <p:ext uri="{BB962C8B-B14F-4D97-AF65-F5344CB8AC3E}">
         <p14:creationId xmlns:p14="http://schemas.microsoft.com/office/powerpoint/2010/main" val="4237838761"/>
+      </p:ext>
+    </p:extLst>
+  </p:cSld>
+  <p:clrMapOvr>
+    <a:masterClrMapping/>
+  </p:clrMapOvr>
+  <p:timing>
+    <p:tnLst>
+      <p:par>
+        <p:cTn id="1" dur="indefinite" restart="never" nodeType="tmRoot"/>
+      </p:par>
+    </p:tnLst>
+  </p:timing>
+</p:sld>
+</file>
+
+<file path=ppt/slides/slide10.xml><?xml version="1.0" encoding="utf-8"?>
+<p:sld xmlns:a="http://schemas.openxmlformats.org/drawingml/2006/main" xmlns:r="http://schemas.openxmlformats.org/officeDocument/2006/relationships" xmlns:p="http://schemas.openxmlformats.org/presentationml/2006/main">
+  <p:cSld>
+    <p:spTree>
+      <p:nvGrpSpPr>
+        <p:cNvPr id="1" name=""/>
+        <p:cNvGrpSpPr/>
+        <p:nvPr/>
+      </p:nvGrpSpPr>
+      <p:grpSpPr>
+        <a:xfrm>
+          <a:off x="0" y="0"/>
+          <a:ext cx="0" cy="0"/>
+          <a:chOff x="0" y="0"/>
+          <a:chExt cx="0" cy="0"/>
+        </a:xfrm>
+      </p:grpSpPr>
+      <p:sp>
+        <p:nvSpPr>
+          <p:cNvPr id="2" name="Заголовок 1">
+            <a:extLst>
+              <a:ext uri="{FF2B5EF4-FFF2-40B4-BE49-F238E27FC236}">
+                <a16:creationId xmlns:a16="http://schemas.microsoft.com/office/drawing/2014/main" id="{E05AD57B-A359-0D48-8274-F2B73328940E}"/>
+              </a:ext>
+            </a:extLst>
+          </p:cNvPr>
+          <p:cNvSpPr>
+            <a:spLocks noGrp="1"/>
+          </p:cNvSpPr>
+          <p:nvPr>
+            <p:ph type="title"/>
+          </p:nvPr>
+        </p:nvSpPr>
+        <p:spPr>
+          <a:xfrm>
+            <a:off x="838200" y="365126"/>
+            <a:ext cx="10515600" cy="715090"/>
+          </a:xfrm>
+        </p:spPr>
+        <p:txBody>
+          <a:bodyPr/>
+          <a:lstStyle/>
+          <a:p>
+            <a:pPr algn="ctr"/>
+            <a:r>
+              <a:rPr lang="ru-RU" b="1" dirty="0" smtClean="0">
+                <a:solidFill>
+                  <a:srgbClr val="FE8C1A"/>
+                </a:solidFill>
+              </a:rPr>
+              <a:t>Обзоры и рекомендации</a:t>
+            </a:r>
+            <a:endParaRPr lang="ru-RU" b="1" dirty="0">
+              <a:solidFill>
+                <a:srgbClr val="FE8C1A"/>
+              </a:solidFill>
+            </a:endParaRPr>
+          </a:p>
+        </p:txBody>
+      </p:sp>
+      <p:pic>
+        <p:nvPicPr>
+          <p:cNvPr id="4" name="Объект 3"/>
+          <p:cNvPicPr>
+            <a:picLocks noGrp="1" noChangeAspect="1"/>
+          </p:cNvPicPr>
+          <p:nvPr>
+            <p:ph idx="1"/>
+          </p:nvPr>
+        </p:nvPicPr>
+        <p:blipFill>
+          <a:blip r:embed="rId2">
+            <a:extLst>
+              <a:ext uri="{28A0092B-C50C-407E-A947-70E740481C1C}">
+                <a14:useLocalDpi xmlns:a14="http://schemas.microsoft.com/office/drawing/2010/main" val="0"/>
+              </a:ext>
+            </a:extLst>
+          </a:blip>
+          <a:stretch>
+            <a:fillRect/>
+          </a:stretch>
+        </p:blipFill>
+        <p:spPr>
+          <a:xfrm>
+            <a:off x="1719943" y="1080216"/>
+            <a:ext cx="8752114" cy="4685211"/>
+          </a:xfrm>
+        </p:spPr>
+      </p:pic>
+      <p:pic>
+        <p:nvPicPr>
+          <p:cNvPr id="6" name="Рисунок 5"/>
+          <p:cNvPicPr>
+            <a:picLocks noChangeAspect="1"/>
+          </p:cNvPicPr>
+          <p:nvPr/>
+        </p:nvPicPr>
+        <p:blipFill>
+          <a:blip r:embed="rId3">
+            <a:extLst>
+              <a:ext uri="{28A0092B-C50C-407E-A947-70E740481C1C}">
+                <a14:useLocalDpi xmlns:a14="http://schemas.microsoft.com/office/drawing/2010/main" val="0"/>
+              </a:ext>
+            </a:extLst>
+          </a:blip>
+          <a:stretch>
+            <a:fillRect/>
+          </a:stretch>
+        </p:blipFill>
+        <p:spPr>
+          <a:xfrm>
+            <a:off x="10032273" y="6178583"/>
+            <a:ext cx="2041499" cy="621326"/>
+          </a:xfrm>
+          <a:prstGeom prst="rect">
+            <a:avLst/>
+          </a:prstGeom>
+        </p:spPr>
+      </p:pic>
+    </p:spTree>
+    <p:extLst>
+      <p:ext uri="{BB962C8B-B14F-4D97-AF65-F5344CB8AC3E}">
+        <p14:creationId xmlns:p14="http://schemas.microsoft.com/office/powerpoint/2010/main" val="2015660352"/>
+      </p:ext>
+    </p:extLst>
+  </p:cSld>
+  <p:clrMapOvr>
+    <a:masterClrMapping/>
+  </p:clrMapOvr>
+</p:sld>
+</file>
+
+<file path=ppt/slides/slide11.xml><?xml version="1.0" encoding="utf-8"?>
+<p:sld xmlns:a="http://schemas.openxmlformats.org/drawingml/2006/main" xmlns:r="http://schemas.openxmlformats.org/officeDocument/2006/relationships" xmlns:p="http://schemas.openxmlformats.org/presentationml/2006/main">
+  <p:cSld>
+    <p:spTree>
+      <p:nvGrpSpPr>
+        <p:cNvPr id="1" name=""/>
+        <p:cNvGrpSpPr/>
+        <p:nvPr/>
+      </p:nvGrpSpPr>
+      <p:grpSpPr>
+        <a:xfrm>
+          <a:off x="0" y="0"/>
+          <a:ext cx="0" cy="0"/>
+          <a:chOff x="0" y="0"/>
+          <a:chExt cx="0" cy="0"/>
+        </a:xfrm>
+      </p:grpSpPr>
+      <p:sp>
+        <p:nvSpPr>
+          <p:cNvPr id="2" name="Заголовок 1"/>
+          <p:cNvSpPr>
+            <a:spLocks noGrp="1"/>
+          </p:cNvSpPr>
+          <p:nvPr>
+            <p:ph type="title"/>
+          </p:nvPr>
+        </p:nvSpPr>
+        <p:spPr>
+          <a:xfrm>
+            <a:off x="838200" y="95795"/>
+            <a:ext cx="10515600" cy="992776"/>
+          </a:xfrm>
+        </p:spPr>
+        <p:txBody>
+          <a:bodyPr>
+            <a:normAutofit/>
+          </a:bodyPr>
+          <a:lstStyle/>
+          <a:p>
+            <a:pPr algn="ctr"/>
+            <a:r>
+              <a:rPr lang="ru-RU" b="1" dirty="0" smtClean="0">
+                <a:solidFill>
+                  <a:srgbClr val="FE8C1A"/>
+                </a:solidFill>
+              </a:rPr>
+              <a:t>Страница профиля</a:t>
+            </a:r>
+            <a:endParaRPr lang="ru-RU" b="1" dirty="0">
+              <a:solidFill>
+                <a:srgbClr val="FE8C1A"/>
+              </a:solidFill>
+            </a:endParaRPr>
+          </a:p>
+        </p:txBody>
+      </p:sp>
+      <p:pic>
+        <p:nvPicPr>
+          <p:cNvPr id="4" name="Объект 3"/>
+          <p:cNvPicPr>
+            <a:picLocks noGrp="1" noChangeAspect="1"/>
+          </p:cNvPicPr>
+          <p:nvPr>
+            <p:ph idx="1"/>
+          </p:nvPr>
+        </p:nvPicPr>
+        <p:blipFill>
+          <a:blip r:embed="rId2">
+            <a:extLst>
+              <a:ext uri="{28A0092B-C50C-407E-A947-70E740481C1C}">
+                <a14:useLocalDpi xmlns:a14="http://schemas.microsoft.com/office/drawing/2010/main" val="0"/>
+              </a:ext>
+            </a:extLst>
+          </a:blip>
+          <a:stretch>
+            <a:fillRect/>
+          </a:stretch>
+        </p:blipFill>
+        <p:spPr>
+          <a:xfrm>
+            <a:off x="1822027" y="1088571"/>
+            <a:ext cx="8547945" cy="4850675"/>
+          </a:xfrm>
+        </p:spPr>
+      </p:pic>
+      <p:pic>
+        <p:nvPicPr>
+          <p:cNvPr id="6" name="Рисунок 5"/>
+          <p:cNvPicPr>
+            <a:picLocks noChangeAspect="1"/>
+          </p:cNvPicPr>
+          <p:nvPr/>
+        </p:nvPicPr>
+        <p:blipFill>
+          <a:blip r:embed="rId3">
+            <a:extLst>
+              <a:ext uri="{28A0092B-C50C-407E-A947-70E740481C1C}">
+                <a14:useLocalDpi xmlns:a14="http://schemas.microsoft.com/office/drawing/2010/main" val="0"/>
+              </a:ext>
+            </a:extLst>
+          </a:blip>
+          <a:stretch>
+            <a:fillRect/>
+          </a:stretch>
+        </p:blipFill>
+        <p:spPr>
+          <a:xfrm>
+            <a:off x="10032273" y="6178583"/>
+            <a:ext cx="2041499" cy="621326"/>
+          </a:xfrm>
+          <a:prstGeom prst="rect">
+            <a:avLst/>
+          </a:prstGeom>
+        </p:spPr>
+      </p:pic>
+    </p:spTree>
+    <p:extLst>
+      <p:ext uri="{BB962C8B-B14F-4D97-AF65-F5344CB8AC3E}">
+        <p14:creationId xmlns:p14="http://schemas.microsoft.com/office/powerpoint/2010/main" val="3230251036"/>
       </p:ext>
     </p:extLst>
   </p:cSld>
@@ -3415,7 +3694,11 @@
           <a:p>
             <a:pPr algn="ctr"/>
             <a:r>
-              <a:rPr lang="ru-RU" b="1" dirty="0"/>
+              <a:rPr lang="ru-RU" b="1" dirty="0">
+                <a:solidFill>
+                  <a:srgbClr val="FE8C1A"/>
+                </a:solidFill>
+              </a:rPr>
               <a:t>Цели и задачи</a:t>
             </a:r>
           </a:p>
@@ -3437,7 +3720,12 @@
             <p:ph idx="1"/>
           </p:nvPr>
         </p:nvSpPr>
-        <p:spPr/>
+        <p:spPr>
+          <a:xfrm>
+            <a:off x="838200" y="2002971"/>
+            <a:ext cx="10515600" cy="4173992"/>
+          </a:xfrm>
+        </p:spPr>
         <p:txBody>
           <a:bodyPr>
             <a:normAutofit/>
@@ -3518,6 +3806,36 @@
           </a:p>
         </p:txBody>
       </p:sp>
+      <p:pic>
+        <p:nvPicPr>
+          <p:cNvPr id="4" name="Рисунок 3"/>
+          <p:cNvPicPr>
+            <a:picLocks noChangeAspect="1"/>
+          </p:cNvPicPr>
+          <p:nvPr/>
+        </p:nvPicPr>
+        <p:blipFill>
+          <a:blip r:embed="rId2">
+            <a:extLst>
+              <a:ext uri="{28A0092B-C50C-407E-A947-70E740481C1C}">
+                <a14:useLocalDpi xmlns:a14="http://schemas.microsoft.com/office/drawing/2010/main" val="0"/>
+              </a:ext>
+            </a:extLst>
+          </a:blip>
+          <a:stretch>
+            <a:fillRect/>
+          </a:stretch>
+        </p:blipFill>
+        <p:spPr>
+          <a:xfrm>
+            <a:off x="10032273" y="6178583"/>
+            <a:ext cx="2041499" cy="621326"/>
+          </a:xfrm>
+          <a:prstGeom prst="rect">
+            <a:avLst/>
+          </a:prstGeom>
+        </p:spPr>
+      </p:pic>
     </p:spTree>
     <p:extLst>
       <p:ext uri="{BB962C8B-B14F-4D97-AF65-F5344CB8AC3E}">
@@ -3528,6 +3846,13 @@
   <p:clrMapOvr>
     <a:masterClrMapping/>
   </p:clrMapOvr>
+  <p:timing>
+    <p:tnLst>
+      <p:par>
+        <p:cTn id="1" dur="indefinite" restart="never" nodeType="tmRoot"/>
+      </p:par>
+    </p:tnLst>
+  </p:timing>
 </p:sld>
 </file>
 
@@ -3550,13 +3875,7 @@
       </p:grpSpPr>
       <p:sp>
         <p:nvSpPr>
-          <p:cNvPr id="2" name="Заголовок 1">
-            <a:extLst>
-              <a:ext uri="{FF2B5EF4-FFF2-40B4-BE49-F238E27FC236}">
-                <a16:creationId xmlns:a16="http://schemas.microsoft.com/office/drawing/2014/main" id="{3C22B893-B297-A147-B46C-D3620F419D14}"/>
-              </a:ext>
-            </a:extLst>
-          </p:cNvPr>
+          <p:cNvPr id="2" name="Заголовок 1"/>
           <p:cNvSpPr>
             <a:spLocks noGrp="1"/>
           </p:cNvSpPr>
@@ -3571,82 +3890,194 @@
           <a:p>
             <a:pPr algn="ctr"/>
             <a:r>
-              <a:rPr lang="ru-RU" b="1" dirty="0"/>
-              <a:t>Структура приложения</a:t>
-            </a:r>
-          </a:p>
-        </p:txBody>
-      </p:sp>
-      <p:sp>
-        <p:nvSpPr>
-          <p:cNvPr id="3" name="Объект 2">
-            <a:extLst>
-              <a:ext uri="{FF2B5EF4-FFF2-40B4-BE49-F238E27FC236}">
-                <a16:creationId xmlns:a16="http://schemas.microsoft.com/office/drawing/2014/main" id="{0EC77A65-BB15-714A-8740-4F5836F86AD5}"/>
-              </a:ext>
-            </a:extLst>
-          </p:cNvPr>
-          <p:cNvSpPr>
-            <a:spLocks noGrp="1"/>
-          </p:cNvSpPr>
-          <p:nvPr>
-            <p:ph idx="1"/>
-          </p:nvPr>
-        </p:nvSpPr>
-        <p:spPr/>
-        <p:txBody>
-          <a:bodyPr/>
-          <a:lstStyle/>
-          <a:p>
-            <a:pPr marL="0" indent="0">
-              <a:buNone/>
-            </a:pPr>
-            <a:r>
-              <a:rPr lang="ru-RU" dirty="0"/>
-              <a:t>Приложение состоит из </a:t>
-            </a:r>
-            <a:r>
-              <a:rPr lang="ru-RU" dirty="0" smtClean="0"/>
-              <a:t>окон регистрации и авторизации, главного окна, в котором содержатся 3 раздела</a:t>
-            </a:r>
-            <a:r>
-              <a:rPr lang="en-US" dirty="0"/>
-              <a:t> </a:t>
-            </a:r>
-            <a:r>
-              <a:rPr lang="ru-RU" dirty="0" smtClean="0"/>
-              <a:t>и окно выбора фильтров</a:t>
-            </a:r>
-          </a:p>
-          <a:p>
-            <a:pPr marL="0" indent="0">
-              <a:buNone/>
-            </a:pPr>
-            <a:r>
-              <a:rPr lang="ru-RU" dirty="0" smtClean="0"/>
-              <a:t>Разделы главного окна</a:t>
-            </a:r>
-            <a:r>
-              <a:rPr lang="en-US" dirty="0" smtClean="0"/>
-              <a:t>: </a:t>
-            </a:r>
-            <a:r>
-              <a:rPr lang="ru-RU" dirty="0" smtClean="0"/>
-              <a:t>главная страница, корзина сравнения, страница с различными статьями на тему электроники.  </a:t>
-            </a:r>
-          </a:p>
-        </p:txBody>
-      </p:sp>
+              <a:rPr lang="ru-RU" b="1" dirty="0" smtClean="0">
+                <a:solidFill>
+                  <a:srgbClr val="FE8C1A"/>
+                </a:solidFill>
+              </a:rPr>
+              <a:t>Актуальность проекта</a:t>
+            </a:r>
+            <a:endParaRPr lang="ru-RU" b="1" dirty="0">
+              <a:solidFill>
+                <a:srgbClr val="FE8C1A"/>
+              </a:solidFill>
+            </a:endParaRPr>
+          </a:p>
+        </p:txBody>
+      </p:sp>
+      <p:pic>
+        <p:nvPicPr>
+          <p:cNvPr id="1028" name="Picture 4" descr="Интеграция с E-katalog"/>
+          <p:cNvPicPr>
+            <a:picLocks noChangeAspect="1" noChangeArrowheads="1"/>
+          </p:cNvPicPr>
+          <p:nvPr/>
+        </p:nvPicPr>
+        <p:blipFill>
+          <a:blip r:embed="rId2">
+            <a:extLst>
+              <a:ext uri="{28A0092B-C50C-407E-A947-70E740481C1C}">
+                <a14:useLocalDpi xmlns:a14="http://schemas.microsoft.com/office/drawing/2010/main" val="0"/>
+              </a:ext>
+            </a:extLst>
+          </a:blip>
+          <a:srcRect/>
+          <a:stretch>
+            <a:fillRect/>
+          </a:stretch>
+        </p:blipFill>
+        <p:spPr bwMode="auto">
+          <a:xfrm>
+            <a:off x="1169816" y="2344329"/>
+            <a:ext cx="3641362" cy="2216729"/>
+          </a:xfrm>
+          <a:prstGeom prst="rect">
+            <a:avLst/>
+          </a:prstGeom>
+          <a:noFill/>
+          <a:extLst>
+            <a:ext uri="{909E8E84-426E-40DD-AFC4-6F175D3DCCD1}">
+              <a14:hiddenFill xmlns:a14="http://schemas.microsoft.com/office/drawing/2010/main">
+                <a:solidFill>
+                  <a:srgbClr val="FFFFFF"/>
+                </a:solidFill>
+              </a14:hiddenFill>
+            </a:ext>
+          </a:extLst>
+        </p:spPr>
+      </p:pic>
+      <p:sp>
+        <p:nvSpPr>
+          <p:cNvPr id="5" name="Умножение 4"/>
+          <p:cNvSpPr/>
+          <p:nvPr/>
+        </p:nvSpPr>
+        <p:spPr>
+          <a:xfrm>
+            <a:off x="563572" y="1290093"/>
+            <a:ext cx="5068389" cy="4855029"/>
+          </a:xfrm>
+          <a:prstGeom prst="mathMultiply">
+            <a:avLst/>
+          </a:prstGeom>
+          <a:solidFill>
+            <a:srgbClr val="FF0909">
+              <a:alpha val="50196"/>
+            </a:srgbClr>
+          </a:solidFill>
+        </p:spPr>
+        <p:style>
+          <a:lnRef idx="2">
+            <a:schemeClr val="accent1">
+              <a:shade val="50000"/>
+            </a:schemeClr>
+          </a:lnRef>
+          <a:fillRef idx="1">
+            <a:schemeClr val="accent1"/>
+          </a:fillRef>
+          <a:effectRef idx="0">
+            <a:schemeClr val="accent1"/>
+          </a:effectRef>
+          <a:fontRef idx="minor">
+            <a:schemeClr val="lt1"/>
+          </a:fontRef>
+        </p:style>
+        <p:txBody>
+          <a:bodyPr rtlCol="0" anchor="ctr"/>
+          <a:lstStyle/>
+          <a:p>
+            <a:pPr algn="ctr"/>
+            <a:endParaRPr lang="ru-RU"/>
+          </a:p>
+        </p:txBody>
+      </p:sp>
+      <p:sp>
+        <p:nvSpPr>
+          <p:cNvPr id="7" name="Стрелка вправо 6"/>
+          <p:cNvSpPr/>
+          <p:nvPr/>
+        </p:nvSpPr>
+        <p:spPr>
+          <a:xfrm>
+            <a:off x="5133395" y="3185432"/>
+            <a:ext cx="1602377" cy="1062446"/>
+          </a:xfrm>
+          <a:prstGeom prst="rightArrow">
+            <a:avLst/>
+          </a:prstGeom>
+        </p:spPr>
+        <p:style>
+          <a:lnRef idx="2">
+            <a:schemeClr val="accent1">
+              <a:shade val="50000"/>
+            </a:schemeClr>
+          </a:lnRef>
+          <a:fillRef idx="1">
+            <a:schemeClr val="accent1"/>
+          </a:fillRef>
+          <a:effectRef idx="0">
+            <a:schemeClr val="accent1"/>
+          </a:effectRef>
+          <a:fontRef idx="minor">
+            <a:schemeClr val="lt1"/>
+          </a:fontRef>
+        </p:style>
+        <p:txBody>
+          <a:bodyPr rtlCol="0" anchor="ctr"/>
+          <a:lstStyle/>
+          <a:p>
+            <a:pPr algn="ctr"/>
+            <a:endParaRPr lang="ru-RU"/>
+          </a:p>
+        </p:txBody>
+      </p:sp>
+      <p:pic>
+        <p:nvPicPr>
+          <p:cNvPr id="8" name="Рисунок 7"/>
+          <p:cNvPicPr>
+            <a:picLocks noChangeAspect="1"/>
+          </p:cNvPicPr>
+          <p:nvPr/>
+        </p:nvPicPr>
+        <p:blipFill>
+          <a:blip r:embed="rId3">
+            <a:extLst>
+              <a:ext uri="{28A0092B-C50C-407E-A947-70E740481C1C}">
+                <a14:useLocalDpi xmlns:a14="http://schemas.microsoft.com/office/drawing/2010/main" val="0"/>
+              </a:ext>
+            </a:extLst>
+          </a:blip>
+          <a:stretch>
+            <a:fillRect/>
+          </a:stretch>
+        </p:blipFill>
+        <p:spPr>
+          <a:xfrm>
+            <a:off x="6735772" y="3018466"/>
+            <a:ext cx="4618028" cy="1405487"/>
+          </a:xfrm>
+          <a:prstGeom prst="rect">
+            <a:avLst/>
+          </a:prstGeom>
+        </p:spPr>
+      </p:pic>
     </p:spTree>
     <p:extLst>
       <p:ext uri="{BB962C8B-B14F-4D97-AF65-F5344CB8AC3E}">
-        <p14:creationId xmlns:p14="http://schemas.microsoft.com/office/powerpoint/2010/main" val="1511119140"/>
+        <p14:creationId xmlns:p14="http://schemas.microsoft.com/office/powerpoint/2010/main" val="197797495"/>
       </p:ext>
     </p:extLst>
   </p:cSld>
   <p:clrMapOvr>
     <a:masterClrMapping/>
   </p:clrMapOvr>
+  <p:timing>
+    <p:tnLst>
+      <p:par>
+        <p:cTn id="1" dur="indefinite" restart="never" nodeType="tmRoot"/>
+      </p:par>
+    </p:tnLst>
+  </p:timing>
 </p:sld>
 </file>
 
@@ -3672,7 +4103,7 @@
           <p:cNvPr id="2" name="Заголовок 1">
             <a:extLst>
               <a:ext uri="{FF2B5EF4-FFF2-40B4-BE49-F238E27FC236}">
-                <a16:creationId xmlns:a16="http://schemas.microsoft.com/office/drawing/2014/main" id="{0817D23B-14B0-D34B-8D0E-EDC3301B30C0}"/>
+                <a16:creationId xmlns:a16="http://schemas.microsoft.com/office/drawing/2014/main" id="{3C22B893-B297-A147-B46C-D3620F419D14}"/>
               </a:ext>
             </a:extLst>
           </p:cNvPr>
@@ -3683,66 +4114,123 @@
             <p:ph type="title"/>
           </p:nvPr>
         </p:nvSpPr>
-        <p:spPr>
-          <a:xfrm>
-            <a:off x="838200" y="365125"/>
-            <a:ext cx="10515600" cy="1119291"/>
-          </a:xfrm>
-        </p:spPr>
-        <p:txBody>
-          <a:bodyPr>
-            <a:normAutofit/>
-          </a:bodyPr>
+        <p:spPr/>
+        <p:txBody>
+          <a:bodyPr/>
           <a:lstStyle/>
           <a:p>
             <a:pPr algn="ctr"/>
             <a:r>
-              <a:rPr lang="ru-RU" sz="3600" b="1" dirty="0" smtClean="0"/>
-              <a:t>Регистрация и авторизация</a:t>
-            </a:r>
-            <a:endParaRPr lang="ru-RU" sz="3600" b="1" dirty="0"/>
+              <a:rPr lang="ru-RU" b="1" dirty="0">
+                <a:solidFill>
+                  <a:srgbClr val="FE8C1A"/>
+                </a:solidFill>
+              </a:rPr>
+              <a:t>Структура приложения</a:t>
+            </a:r>
+          </a:p>
+        </p:txBody>
+      </p:sp>
+      <p:sp>
+        <p:nvSpPr>
+          <p:cNvPr id="3" name="Объект 2">
+            <a:extLst>
+              <a:ext uri="{FF2B5EF4-FFF2-40B4-BE49-F238E27FC236}">
+                <a16:creationId xmlns:a16="http://schemas.microsoft.com/office/drawing/2014/main" id="{0EC77A65-BB15-714A-8740-4F5836F86AD5}"/>
+              </a:ext>
+            </a:extLst>
+          </p:cNvPr>
+          <p:cNvSpPr>
+            <a:spLocks noGrp="1"/>
+          </p:cNvSpPr>
+          <p:nvPr>
+            <p:ph idx="1"/>
+          </p:nvPr>
+        </p:nvSpPr>
+        <p:spPr>
+          <a:xfrm>
+            <a:off x="838200" y="2751909"/>
+            <a:ext cx="10515600" cy="3425054"/>
+          </a:xfrm>
+        </p:spPr>
+        <p:txBody>
+          <a:bodyPr/>
+          <a:lstStyle/>
+          <a:p>
+            <a:pPr marL="0" indent="0">
+              <a:buNone/>
+            </a:pPr>
+            <a:r>
+              <a:rPr lang="ru-RU" dirty="0"/>
+              <a:t>Приложение состоит из </a:t>
+            </a:r>
+            <a:r>
+              <a:rPr lang="ru-RU" dirty="0" smtClean="0"/>
+              <a:t>окон регистрации и авторизации, главного окна, в котором содержатся </a:t>
+            </a:r>
+            <a:r>
+              <a:rPr lang="en-US" dirty="0" smtClean="0"/>
+              <a:t>4</a:t>
+            </a:r>
+            <a:r>
+              <a:rPr lang="ru-RU" dirty="0" smtClean="0"/>
+              <a:t> </a:t>
+            </a:r>
+            <a:r>
+              <a:rPr lang="ru-RU" dirty="0" smtClean="0"/>
+              <a:t>раздела</a:t>
+            </a:r>
+            <a:r>
+              <a:rPr lang="en-US" dirty="0"/>
+              <a:t> </a:t>
+            </a:r>
+            <a:r>
+              <a:rPr lang="ru-RU" dirty="0" smtClean="0"/>
+              <a:t>и окно выбора фильтров</a:t>
+            </a:r>
+          </a:p>
+          <a:p>
+            <a:pPr marL="0" indent="0">
+              <a:buNone/>
+            </a:pPr>
+            <a:r>
+              <a:rPr lang="ru-RU" dirty="0" smtClean="0"/>
+              <a:t>Разделы главного окна</a:t>
+            </a:r>
+            <a:r>
+              <a:rPr lang="en-US" dirty="0" smtClean="0"/>
+              <a:t>: </a:t>
+            </a:r>
+            <a:r>
+              <a:rPr lang="ru-RU" dirty="0" smtClean="0"/>
+              <a:t>главная страница, корзина сравнения, страница с различными статьями на тему </a:t>
+            </a:r>
+            <a:r>
+              <a:rPr lang="ru-RU" dirty="0" smtClean="0"/>
+              <a:t>электроники</a:t>
+            </a:r>
+            <a:r>
+              <a:rPr lang="en-US" dirty="0" smtClean="0"/>
+              <a:t>, </a:t>
+            </a:r>
+            <a:r>
+              <a:rPr lang="ru-RU" dirty="0" smtClean="0"/>
+              <a:t>профиль.  </a:t>
+            </a:r>
+            <a:endParaRPr lang="ru-RU" dirty="0" smtClean="0"/>
           </a:p>
         </p:txBody>
       </p:sp>
       <p:pic>
         <p:nvPicPr>
-          <p:cNvPr id="10" name="Объект 9"/>
-          <p:cNvPicPr>
-            <a:picLocks noGrp="1" noChangeAspect="1"/>
-          </p:cNvPicPr>
-          <p:nvPr>
-            <p:ph idx="1"/>
-          </p:nvPr>
-        </p:nvPicPr>
-        <p:blipFill>
-          <a:blip r:embed="rId2">
-            <a:extLst>
-              <a:ext uri="{28A0092B-C50C-407E-A947-70E740481C1C}">
-                <a14:useLocalDpi xmlns:a14="http://schemas.microsoft.com/office/drawing/2010/main" val="0"/>
-              </a:ext>
-            </a:extLst>
-          </a:blip>
-          <a:stretch>
-            <a:fillRect/>
-          </a:stretch>
-        </p:blipFill>
-        <p:spPr>
-          <a:xfrm>
-            <a:off x="6592389" y="2884975"/>
-            <a:ext cx="4761411" cy="3474868"/>
-          </a:xfrm>
-        </p:spPr>
-      </p:pic>
-      <p:pic>
-        <p:nvPicPr>
-          <p:cNvPr id="11" name="Рисунок 10"/>
+          <p:cNvPr id="5" name="Рисунок 4"/>
           <p:cNvPicPr>
             <a:picLocks noChangeAspect="1"/>
           </p:cNvPicPr>
           <p:nvPr/>
         </p:nvPicPr>
         <p:blipFill>
-          <a:blip r:embed="rId3">
+          <a:blip r:embed="rId2">
             <a:extLst>
               <a:ext uri="{28A0092B-C50C-407E-A947-70E740481C1C}">
                 <a14:useLocalDpi xmlns:a14="http://schemas.microsoft.com/office/drawing/2010/main" val="0"/>
@@ -3755,8 +4243,8 @@
         </p:blipFill>
         <p:spPr>
           <a:xfrm>
-            <a:off x="838200" y="1666658"/>
-            <a:ext cx="4981302" cy="3630226"/>
+            <a:off x="10032273" y="6178583"/>
+            <a:ext cx="2041499" cy="621326"/>
           </a:xfrm>
           <a:prstGeom prst="rect">
             <a:avLst/>
@@ -3766,13 +4254,20 @@
     </p:spTree>
     <p:extLst>
       <p:ext uri="{BB962C8B-B14F-4D97-AF65-F5344CB8AC3E}">
-        <p14:creationId xmlns:p14="http://schemas.microsoft.com/office/powerpoint/2010/main" val="2959317262"/>
+        <p14:creationId xmlns:p14="http://schemas.microsoft.com/office/powerpoint/2010/main" val="1511119140"/>
       </p:ext>
     </p:extLst>
   </p:cSld>
   <p:clrMapOvr>
     <a:masterClrMapping/>
   </p:clrMapOvr>
+  <p:timing>
+    <p:tnLst>
+      <p:par>
+        <p:cTn id="1" dur="indefinite" restart="never" nodeType="tmRoot"/>
+      </p:par>
+    </p:tnLst>
+  </p:timing>
 </p:sld>
 </file>
 
@@ -3798,7 +4293,7 @@
           <p:cNvPr id="2" name="Заголовок 1">
             <a:extLst>
               <a:ext uri="{FF2B5EF4-FFF2-40B4-BE49-F238E27FC236}">
-                <a16:creationId xmlns:a16="http://schemas.microsoft.com/office/drawing/2014/main" id="{AE182028-3EFB-C843-87C1-F581B4E40F02}"/>
+                <a16:creationId xmlns:a16="http://schemas.microsoft.com/office/drawing/2014/main" id="{0817D23B-14B0-D34B-8D0E-EDC3301B30C0}"/>
               </a:ext>
             </a:extLst>
           </p:cNvPr>
@@ -3809,7 +4304,12 @@
             <p:ph type="title"/>
           </p:nvPr>
         </p:nvSpPr>
-        <p:spPr/>
+        <p:spPr>
+          <a:xfrm>
+            <a:off x="838200" y="365125"/>
+            <a:ext cx="10515600" cy="1301533"/>
+          </a:xfrm>
+        </p:spPr>
         <p:txBody>
           <a:bodyPr>
             <a:normAutofit/>
@@ -3818,16 +4318,24 @@
           <a:p>
             <a:pPr algn="ctr"/>
             <a:r>
-              <a:rPr lang="ru-RU" sz="4000" b="1" dirty="0" smtClean="0"/>
-              <a:t>Главная страница</a:t>
-            </a:r>
-            <a:endParaRPr lang="ru-RU" sz="4000" b="1" dirty="0"/>
+              <a:rPr lang="ru-RU" sz="4000" b="1" dirty="0" smtClean="0">
+                <a:solidFill>
+                  <a:srgbClr val="FE8C1A"/>
+                </a:solidFill>
+              </a:rPr>
+              <a:t>Регистрация и авторизация</a:t>
+            </a:r>
+            <a:endParaRPr lang="ru-RU" sz="4000" b="1" dirty="0">
+              <a:solidFill>
+                <a:srgbClr val="FE8C1A"/>
+              </a:solidFill>
+            </a:endParaRPr>
           </a:p>
         </p:txBody>
       </p:sp>
       <p:pic>
         <p:nvPicPr>
-          <p:cNvPr id="5" name="Объект 4"/>
+          <p:cNvPr id="10" name="Объект 9"/>
           <p:cNvPicPr>
             <a:picLocks noGrp="1" noChangeAspect="1"/>
           </p:cNvPicPr>
@@ -3849,15 +4357,75 @@
         </p:blipFill>
         <p:spPr>
           <a:xfrm>
-            <a:off x="1515291" y="1321729"/>
-            <a:ext cx="9075905" cy="5105197"/>
-          </a:xfrm>
+            <a:off x="6313715" y="1744336"/>
+            <a:ext cx="4929051" cy="3552547"/>
+          </a:xfrm>
+        </p:spPr>
+      </p:pic>
+      <p:pic>
+        <p:nvPicPr>
+          <p:cNvPr id="11" name="Рисунок 10"/>
+          <p:cNvPicPr>
+            <a:picLocks noChangeAspect="1"/>
+          </p:cNvPicPr>
+          <p:nvPr/>
+        </p:nvPicPr>
+        <p:blipFill>
+          <a:blip r:embed="rId3">
+            <a:extLst>
+              <a:ext uri="{28A0092B-C50C-407E-A947-70E740481C1C}">
+                <a14:useLocalDpi xmlns:a14="http://schemas.microsoft.com/office/drawing/2010/main" val="0"/>
+              </a:ext>
+            </a:extLst>
+          </a:blip>
+          <a:stretch>
+            <a:fillRect/>
+          </a:stretch>
+        </p:blipFill>
+        <p:spPr>
+          <a:xfrm>
+            <a:off x="838200" y="1666658"/>
+            <a:ext cx="4981302" cy="3630226"/>
+          </a:xfrm>
+          <a:prstGeom prst="rect">
+            <a:avLst/>
+          </a:prstGeom>
+        </p:spPr>
+      </p:pic>
+      <p:pic>
+        <p:nvPicPr>
+          <p:cNvPr id="5" name="Рисунок 4"/>
+          <p:cNvPicPr>
+            <a:picLocks noChangeAspect="1"/>
+          </p:cNvPicPr>
+          <p:nvPr/>
+        </p:nvPicPr>
+        <p:blipFill>
+          <a:blip r:embed="rId4">
+            <a:extLst>
+              <a:ext uri="{28A0092B-C50C-407E-A947-70E740481C1C}">
+                <a14:useLocalDpi xmlns:a14="http://schemas.microsoft.com/office/drawing/2010/main" val="0"/>
+              </a:ext>
+            </a:extLst>
+          </a:blip>
+          <a:stretch>
+            <a:fillRect/>
+          </a:stretch>
+        </p:blipFill>
+        <p:spPr>
+          <a:xfrm>
+            <a:off x="10032273" y="6178583"/>
+            <a:ext cx="2041499" cy="621326"/>
+          </a:xfrm>
+          <a:prstGeom prst="rect">
+            <a:avLst/>
+          </a:prstGeom>
         </p:spPr>
       </p:pic>
     </p:spTree>
     <p:extLst>
       <p:ext uri="{BB962C8B-B14F-4D97-AF65-F5344CB8AC3E}">
-        <p14:creationId xmlns:p14="http://schemas.microsoft.com/office/powerpoint/2010/main" val="1251250585"/>
+        <p14:creationId xmlns:p14="http://schemas.microsoft.com/office/powerpoint/2010/main" val="2959317262"/>
       </p:ext>
     </p:extLst>
   </p:cSld>
@@ -3889,7 +4457,7 @@
           <p:cNvPr id="2" name="Заголовок 1">
             <a:extLst>
               <a:ext uri="{FF2B5EF4-FFF2-40B4-BE49-F238E27FC236}">
-                <a16:creationId xmlns:a16="http://schemas.microsoft.com/office/drawing/2014/main" id="{18FB7AB8-F2CD-FC4C-8EA3-B697D8E044D2}"/>
+                <a16:creationId xmlns:a16="http://schemas.microsoft.com/office/drawing/2014/main" id="{AE182028-3EFB-C843-87C1-F581B4E40F02}"/>
               </a:ext>
             </a:extLst>
           </p:cNvPr>
@@ -3900,7 +4468,12 @@
             <p:ph type="title"/>
           </p:nvPr>
         </p:nvSpPr>
-        <p:spPr/>
+        <p:spPr>
+          <a:xfrm>
+            <a:off x="838200" y="365125"/>
+            <a:ext cx="10515600" cy="758281"/>
+          </a:xfrm>
+        </p:spPr>
         <p:txBody>
           <a:bodyPr>
             <a:normAutofit/>
@@ -3909,10 +4482,18 @@
           <a:p>
             <a:pPr algn="ctr"/>
             <a:r>
-              <a:rPr lang="ru-RU" sz="4000" b="1" dirty="0" smtClean="0"/>
-              <a:t>Корзина сравнения</a:t>
-            </a:r>
-            <a:endParaRPr lang="ru-RU" sz="4000" b="1" dirty="0"/>
+              <a:rPr lang="ru-RU" sz="4000" b="1" dirty="0" smtClean="0">
+                <a:solidFill>
+                  <a:srgbClr val="FE8C1A"/>
+                </a:solidFill>
+              </a:rPr>
+              <a:t>Главная страница</a:t>
+            </a:r>
+            <a:endParaRPr lang="ru-RU" sz="4000" b="1" dirty="0">
+              <a:solidFill>
+                <a:srgbClr val="FE8C1A"/>
+              </a:solidFill>
+            </a:endParaRPr>
           </a:p>
         </p:txBody>
       </p:sp>
@@ -3940,15 +4521,45 @@
         </p:blipFill>
         <p:spPr>
           <a:xfrm>
-            <a:off x="1397765" y="1358537"/>
-            <a:ext cx="9313778" cy="5239000"/>
-          </a:xfrm>
+            <a:off x="1933302" y="1123406"/>
+            <a:ext cx="8472109" cy="4765562"/>
+          </a:xfrm>
+        </p:spPr>
+      </p:pic>
+      <p:pic>
+        <p:nvPicPr>
+          <p:cNvPr id="4" name="Рисунок 3"/>
+          <p:cNvPicPr>
+            <a:picLocks noChangeAspect="1"/>
+          </p:cNvPicPr>
+          <p:nvPr/>
+        </p:nvPicPr>
+        <p:blipFill>
+          <a:blip r:embed="rId3">
+            <a:extLst>
+              <a:ext uri="{28A0092B-C50C-407E-A947-70E740481C1C}">
+                <a14:useLocalDpi xmlns:a14="http://schemas.microsoft.com/office/drawing/2010/main" val="0"/>
+              </a:ext>
+            </a:extLst>
+          </a:blip>
+          <a:stretch>
+            <a:fillRect/>
+          </a:stretch>
+        </p:blipFill>
+        <p:spPr>
+          <a:xfrm>
+            <a:off x="10032273" y="6178583"/>
+            <a:ext cx="2041499" cy="621326"/>
+          </a:xfrm>
+          <a:prstGeom prst="rect">
+            <a:avLst/>
+          </a:prstGeom>
         </p:spPr>
       </p:pic>
     </p:spTree>
     <p:extLst>
       <p:ext uri="{BB962C8B-B14F-4D97-AF65-F5344CB8AC3E}">
-        <p14:creationId xmlns:p14="http://schemas.microsoft.com/office/powerpoint/2010/main" val="1593401462"/>
+        <p14:creationId xmlns:p14="http://schemas.microsoft.com/office/powerpoint/2010/main" val="1251250585"/>
       </p:ext>
     </p:extLst>
   </p:cSld>
@@ -3977,13 +4588,7 @@
       </p:grpSpPr>
       <p:sp>
         <p:nvSpPr>
-          <p:cNvPr id="2" name="Заголовок 1">
-            <a:extLst>
-              <a:ext uri="{FF2B5EF4-FFF2-40B4-BE49-F238E27FC236}">
-                <a16:creationId xmlns:a16="http://schemas.microsoft.com/office/drawing/2014/main" id="{E05AD57B-A359-0D48-8274-F2B73328940E}"/>
-              </a:ext>
-            </a:extLst>
-          </p:cNvPr>
+          <p:cNvPr id="2" name="Заголовок 1"/>
           <p:cNvSpPr>
             <a:spLocks noGrp="1"/>
           </p:cNvSpPr>
@@ -3991,23 +4596,38 @@
             <p:ph type="title"/>
           </p:nvPr>
         </p:nvSpPr>
-        <p:spPr/>
-        <p:txBody>
-          <a:bodyPr/>
+        <p:spPr>
+          <a:xfrm>
+            <a:off x="838200" y="365126"/>
+            <a:ext cx="10515600" cy="862784"/>
+          </a:xfrm>
+        </p:spPr>
+        <p:txBody>
+          <a:bodyPr>
+            <a:normAutofit/>
+          </a:bodyPr>
           <a:lstStyle/>
           <a:p>
             <a:pPr algn="ctr"/>
             <a:r>
-              <a:rPr lang="ru-RU" b="1" dirty="0" smtClean="0"/>
-              <a:t>Обзоры и рекомендации</a:t>
-            </a:r>
-            <a:endParaRPr lang="ru-RU" b="1" dirty="0"/>
+              <a:rPr lang="ru-RU" sz="4000" b="1" dirty="0" smtClean="0">
+                <a:solidFill>
+                  <a:srgbClr val="FE8C1A"/>
+                </a:solidFill>
+              </a:rPr>
+              <a:t>Поиск по строке</a:t>
+            </a:r>
+            <a:endParaRPr lang="ru-RU" sz="4000" b="1" dirty="0">
+              <a:solidFill>
+                <a:srgbClr val="FE8C1A"/>
+              </a:solidFill>
+            </a:endParaRPr>
           </a:p>
         </p:txBody>
       </p:sp>
       <p:pic>
         <p:nvPicPr>
-          <p:cNvPr id="5" name="Объект 4"/>
+          <p:cNvPr id="4" name="Объект 3"/>
           <p:cNvPicPr>
             <a:picLocks noGrp="1" noChangeAspect="1"/>
           </p:cNvPicPr>
@@ -4029,15 +4649,45 @@
         </p:blipFill>
         <p:spPr>
           <a:xfrm>
-            <a:off x="1489165" y="1409950"/>
-            <a:ext cx="9100457" cy="5119007"/>
-          </a:xfrm>
+            <a:off x="1680754" y="1123405"/>
+            <a:ext cx="8926286" cy="4914221"/>
+          </a:xfrm>
+        </p:spPr>
+      </p:pic>
+      <p:pic>
+        <p:nvPicPr>
+          <p:cNvPr id="5" name="Рисунок 4"/>
+          <p:cNvPicPr>
+            <a:picLocks noChangeAspect="1"/>
+          </p:cNvPicPr>
+          <p:nvPr/>
+        </p:nvPicPr>
+        <p:blipFill>
+          <a:blip r:embed="rId3">
+            <a:extLst>
+              <a:ext uri="{28A0092B-C50C-407E-A947-70E740481C1C}">
+                <a14:useLocalDpi xmlns:a14="http://schemas.microsoft.com/office/drawing/2010/main" val="0"/>
+              </a:ext>
+            </a:extLst>
+          </a:blip>
+          <a:stretch>
+            <a:fillRect/>
+          </a:stretch>
+        </p:blipFill>
+        <p:spPr>
+          <a:xfrm>
+            <a:off x="10032273" y="6178583"/>
+            <a:ext cx="2041499" cy="621326"/>
+          </a:xfrm>
+          <a:prstGeom prst="rect">
+            <a:avLst/>
+          </a:prstGeom>
         </p:spPr>
       </p:pic>
     </p:spTree>
     <p:extLst>
       <p:ext uri="{BB962C8B-B14F-4D97-AF65-F5344CB8AC3E}">
-        <p14:creationId xmlns:p14="http://schemas.microsoft.com/office/powerpoint/2010/main" val="2015660352"/>
+        <p14:creationId xmlns:p14="http://schemas.microsoft.com/office/powerpoint/2010/main" val="2410985864"/>
       </p:ext>
     </p:extLst>
   </p:cSld>
@@ -4074,23 +4724,36 @@
             <p:ph type="title"/>
           </p:nvPr>
         </p:nvSpPr>
-        <p:spPr/>
+        <p:spPr>
+          <a:xfrm>
+            <a:off x="838200" y="95795"/>
+            <a:ext cx="10515600" cy="1001485"/>
+          </a:xfrm>
+        </p:spPr>
         <p:txBody>
           <a:bodyPr/>
           <a:lstStyle/>
           <a:p>
             <a:pPr algn="ctr"/>
             <a:r>
-              <a:rPr lang="ru-RU" b="1" dirty="0" smtClean="0"/>
+              <a:rPr lang="ru-RU" b="1" dirty="0" smtClean="0">
+                <a:solidFill>
+                  <a:srgbClr val="FE8C1A"/>
+                </a:solidFill>
+              </a:rPr>
               <a:t>Фильтры</a:t>
             </a:r>
-            <a:endParaRPr lang="ru-RU" b="1" dirty="0"/>
+            <a:endParaRPr lang="ru-RU" b="1" dirty="0">
+              <a:solidFill>
+                <a:srgbClr val="FE8C1A"/>
+              </a:solidFill>
+            </a:endParaRPr>
           </a:p>
         </p:txBody>
       </p:sp>
       <p:pic>
         <p:nvPicPr>
-          <p:cNvPr id="4" name="Объект 3"/>
+          <p:cNvPr id="5" name="Объект 4"/>
           <p:cNvPicPr>
             <a:picLocks noGrp="1" noChangeAspect="1"/>
           </p:cNvPicPr>
@@ -4112,15 +4775,179 @@
         </p:blipFill>
         <p:spPr>
           <a:xfrm>
-            <a:off x="3570240" y="1358090"/>
-            <a:ext cx="5051519" cy="5149798"/>
-          </a:xfrm>
+            <a:off x="3691309" y="1004039"/>
+            <a:ext cx="4809382" cy="4859415"/>
+          </a:xfrm>
+        </p:spPr>
+      </p:pic>
+      <p:pic>
+        <p:nvPicPr>
+          <p:cNvPr id="6" name="Рисунок 5"/>
+          <p:cNvPicPr>
+            <a:picLocks noChangeAspect="1"/>
+          </p:cNvPicPr>
+          <p:nvPr/>
+        </p:nvPicPr>
+        <p:blipFill>
+          <a:blip r:embed="rId3">
+            <a:extLst>
+              <a:ext uri="{28A0092B-C50C-407E-A947-70E740481C1C}">
+                <a14:useLocalDpi xmlns:a14="http://schemas.microsoft.com/office/drawing/2010/main" val="0"/>
+              </a:ext>
+            </a:extLst>
+          </a:blip>
+          <a:stretch>
+            <a:fillRect/>
+          </a:stretch>
+        </p:blipFill>
+        <p:spPr>
+          <a:xfrm>
+            <a:off x="10032273" y="6178583"/>
+            <a:ext cx="2041499" cy="621326"/>
+          </a:xfrm>
+          <a:prstGeom prst="rect">
+            <a:avLst/>
+          </a:prstGeom>
         </p:spPr>
       </p:pic>
     </p:spTree>
     <p:extLst>
       <p:ext uri="{BB962C8B-B14F-4D97-AF65-F5344CB8AC3E}">
         <p14:creationId xmlns:p14="http://schemas.microsoft.com/office/powerpoint/2010/main" val="2920155500"/>
+      </p:ext>
+    </p:extLst>
+  </p:cSld>
+  <p:clrMapOvr>
+    <a:masterClrMapping/>
+  </p:clrMapOvr>
+</p:sld>
+</file>
+
+<file path=ppt/slides/slide9.xml><?xml version="1.0" encoding="utf-8"?>
+<p:sld xmlns:a="http://schemas.openxmlformats.org/drawingml/2006/main" xmlns:r="http://schemas.openxmlformats.org/officeDocument/2006/relationships" xmlns:p="http://schemas.openxmlformats.org/presentationml/2006/main">
+  <p:cSld>
+    <p:spTree>
+      <p:nvGrpSpPr>
+        <p:cNvPr id="1" name=""/>
+        <p:cNvGrpSpPr/>
+        <p:nvPr/>
+      </p:nvGrpSpPr>
+      <p:grpSpPr>
+        <a:xfrm>
+          <a:off x="0" y="0"/>
+          <a:ext cx="0" cy="0"/>
+          <a:chOff x="0" y="0"/>
+          <a:chExt cx="0" cy="0"/>
+        </a:xfrm>
+      </p:grpSpPr>
+      <p:sp>
+        <p:nvSpPr>
+          <p:cNvPr id="2" name="Заголовок 1">
+            <a:extLst>
+              <a:ext uri="{FF2B5EF4-FFF2-40B4-BE49-F238E27FC236}">
+                <a16:creationId xmlns:a16="http://schemas.microsoft.com/office/drawing/2014/main" id="{18FB7AB8-F2CD-FC4C-8EA3-B697D8E044D2}"/>
+              </a:ext>
+            </a:extLst>
+          </p:cNvPr>
+          <p:cNvSpPr>
+            <a:spLocks noGrp="1"/>
+          </p:cNvSpPr>
+          <p:nvPr>
+            <p:ph type="title"/>
+          </p:nvPr>
+        </p:nvSpPr>
+        <p:spPr>
+          <a:xfrm>
+            <a:off x="838200" y="365126"/>
+            <a:ext cx="10515600" cy="679904"/>
+          </a:xfrm>
+        </p:spPr>
+        <p:txBody>
+          <a:bodyPr>
+            <a:noAutofit/>
+          </a:bodyPr>
+          <a:lstStyle/>
+          <a:p>
+            <a:pPr algn="ctr"/>
+            <a:r>
+              <a:rPr lang="ru-RU" b="1" dirty="0" smtClean="0">
+                <a:solidFill>
+                  <a:srgbClr val="FE8C1A"/>
+                </a:solidFill>
+              </a:rPr>
+              <a:t>Корзина сравнения</a:t>
+            </a:r>
+            <a:endParaRPr lang="ru-RU" b="1" dirty="0">
+              <a:solidFill>
+                <a:srgbClr val="FE8C1A"/>
+              </a:solidFill>
+            </a:endParaRPr>
+          </a:p>
+        </p:txBody>
+      </p:sp>
+      <p:pic>
+        <p:nvPicPr>
+          <p:cNvPr id="5" name="Объект 4"/>
+          <p:cNvPicPr>
+            <a:picLocks noGrp="1" noChangeAspect="1"/>
+          </p:cNvPicPr>
+          <p:nvPr>
+            <p:ph idx="1"/>
+          </p:nvPr>
+        </p:nvPicPr>
+        <p:blipFill>
+          <a:blip r:embed="rId2">
+            <a:extLst>
+              <a:ext uri="{28A0092B-C50C-407E-A947-70E740481C1C}">
+                <a14:useLocalDpi xmlns:a14="http://schemas.microsoft.com/office/drawing/2010/main" val="0"/>
+              </a:ext>
+            </a:extLst>
+          </a:blip>
+          <a:stretch>
+            <a:fillRect/>
+          </a:stretch>
+        </p:blipFill>
+        <p:spPr>
+          <a:xfrm>
+            <a:off x="1397765" y="984069"/>
+            <a:ext cx="9313778" cy="4981302"/>
+          </a:xfrm>
+        </p:spPr>
+      </p:pic>
+      <p:pic>
+        <p:nvPicPr>
+          <p:cNvPr id="4" name="Рисунок 3"/>
+          <p:cNvPicPr>
+            <a:picLocks noChangeAspect="1"/>
+          </p:cNvPicPr>
+          <p:nvPr/>
+        </p:nvPicPr>
+        <p:blipFill>
+          <a:blip r:embed="rId3">
+            <a:extLst>
+              <a:ext uri="{28A0092B-C50C-407E-A947-70E740481C1C}">
+                <a14:useLocalDpi xmlns:a14="http://schemas.microsoft.com/office/drawing/2010/main" val="0"/>
+              </a:ext>
+            </a:extLst>
+          </a:blip>
+          <a:stretch>
+            <a:fillRect/>
+          </a:stretch>
+        </p:blipFill>
+        <p:spPr>
+          <a:xfrm>
+            <a:off x="10032273" y="6178583"/>
+            <a:ext cx="2041499" cy="621326"/>
+          </a:xfrm>
+          <a:prstGeom prst="rect">
+            <a:avLst/>
+          </a:prstGeom>
+        </p:spPr>
+      </p:pic>
+    </p:spTree>
+    <p:extLst>
+      <p:ext uri="{BB962C8B-B14F-4D97-AF65-F5344CB8AC3E}">
+        <p14:creationId xmlns:p14="http://schemas.microsoft.com/office/powerpoint/2010/main" val="1593401462"/>
       </p:ext>
     </p:extLst>
   </p:cSld>
